--- a/Cross-layer Betweenness Centrality in Multiplex Networks with Applications .pptx
+++ b/Cross-layer Betweenness Centrality in Multiplex Networks with Applications .pptx
@@ -263,7 +263,7 @@
           <a:p>
             <a:fld id="{17EC78A9-C7BB-473E-8F72-104C4767908F}" type="datetimeFigureOut">
               <a:rPr lang="zh-CN" altLang="en-US" smtClean="0"/>
-              <a:t>2016/9/12</a:t>
+              <a:t>2016/12/10</a:t>
             </a:fld>
             <a:endParaRPr lang="zh-CN" altLang="en-US"/>
           </a:p>
@@ -3340,7 +3340,7 @@
             </a:pPr>
             <a:fld id="{62BAF78B-F749-4D4F-9072-1028A4CD740C}" type="datetime1">
               <a:rPr lang="zh-CN" altLang="en-US" smtClean="0"/>
-              <a:t>2016/9/12</a:t>
+              <a:t>2016/12/10</a:t>
             </a:fld>
             <a:endParaRPr lang="zh-CN" altLang="en-US"/>
           </a:p>
@@ -3570,7 +3570,7 @@
             </a:pPr>
             <a:fld id="{F57EFD48-BF7B-4753-B9E5-671A626B9409}" type="datetime1">
               <a:rPr lang="zh-CN" altLang="en-US" smtClean="0"/>
-              <a:t>2016/9/12</a:t>
+              <a:t>2016/12/10</a:t>
             </a:fld>
             <a:endParaRPr lang="zh-CN" altLang="en-US"/>
           </a:p>
@@ -3777,7 +3777,7 @@
           <a:p>
             <a:fld id="{1673B28A-9A9D-4874-A2D5-DC4B75CC8DA8}" type="datetime1">
               <a:rPr lang="zh-CN" altLang="en-US" smtClean="0"/>
-              <a:t>2016/9/12</a:t>
+              <a:t>2016/12/10</a:t>
             </a:fld>
             <a:endParaRPr lang="zh-CN" altLang="en-US"/>
           </a:p>
@@ -4070,7 +4070,7 @@
             </a:pPr>
             <a:fld id="{42257380-7887-4808-B68B-7CAF0ED4636E}" type="datetime1">
               <a:rPr lang="zh-CN" altLang="en-US" smtClean="0"/>
-              <a:t>2016/9/12</a:t>
+              <a:t>2016/12/10</a:t>
             </a:fld>
             <a:endParaRPr lang="zh-CN" altLang="en-US"/>
           </a:p>
@@ -15207,7 +15207,7 @@
         </p:nvSpPr>
         <p:spPr>
           <a:xfrm>
-            <a:off x="439999" y="6937827"/>
+            <a:off x="343301" y="7059137"/>
             <a:ext cx="7109775" cy="1200329"/>
           </a:xfrm>
           <a:prstGeom prst="rect">
